--- a/Assignment Four Competitor Article Presentation.pptx
+++ b/Assignment Four Competitor Article Presentation.pptx
@@ -25,6 +25,7 @@
     <p:sldId id="277" r:id="rId19"/>
     <p:sldId id="279" r:id="rId20"/>
     <p:sldId id="280" r:id="rId21"/>
+    <p:sldId id="282" r:id="rId22"/>
   </p:sldIdLst>
   <p:sldSz cx="9144000" cy="6858000" type="screen4x3"/>
   <p:notesSz cx="6858000" cy="9144000"/>
@@ -415,7 +416,7 @@
           <a:p>
             <a:fld id="{2453FA09-B727-9542-AAC9-2BF2211F4014}" type="datetimeFigureOut">
               <a:rPr lang="en-US" smtClean="0"/>
-              <a:t>2/15/17</a:t>
+              <a:t>2/16/17</a:t>
             </a:fld>
             <a:endParaRPr lang="en-US"/>
           </a:p>
@@ -895,7 +896,7 @@
           <a:p>
             <a:fld id="{2453FA09-B727-9542-AAC9-2BF2211F4014}" type="datetimeFigureOut">
               <a:rPr lang="en-US" smtClean="0"/>
-              <a:t>2/15/17</a:t>
+              <a:t>2/16/17</a:t>
             </a:fld>
             <a:endParaRPr lang="en-US"/>
           </a:p>
@@ -1124,7 +1125,7 @@
           <a:p>
             <a:fld id="{2453FA09-B727-9542-AAC9-2BF2211F4014}" type="datetimeFigureOut">
               <a:rPr lang="en-US" smtClean="0"/>
-              <a:t>2/15/17</a:t>
+              <a:t>2/16/17</a:t>
             </a:fld>
             <a:endParaRPr lang="en-US"/>
           </a:p>
@@ -1354,7 +1355,7 @@
           <a:p>
             <a:fld id="{2453FA09-B727-9542-AAC9-2BF2211F4014}" type="datetimeFigureOut">
               <a:rPr lang="en-US" smtClean="0"/>
-              <a:t>2/15/17</a:t>
+              <a:t>2/16/17</a:t>
             </a:fld>
             <a:endParaRPr lang="en-US"/>
           </a:p>
@@ -1686,7 +1687,7 @@
           <a:p>
             <a:fld id="{2453FA09-B727-9542-AAC9-2BF2211F4014}" type="datetimeFigureOut">
               <a:rPr lang="en-US" smtClean="0"/>
-              <a:t>2/15/17</a:t>
+              <a:t>2/16/17</a:t>
             </a:fld>
             <a:endParaRPr lang="en-US"/>
           </a:p>
@@ -2044,7 +2045,7 @@
           <a:p>
             <a:fld id="{2453FA09-B727-9542-AAC9-2BF2211F4014}" type="datetimeFigureOut">
               <a:rPr lang="en-US" smtClean="0"/>
-              <a:t>2/15/17</a:t>
+              <a:t>2/16/17</a:t>
             </a:fld>
             <a:endParaRPr lang="en-US"/>
           </a:p>
@@ -2520,7 +2521,7 @@
           <a:p>
             <a:fld id="{2453FA09-B727-9542-AAC9-2BF2211F4014}" type="datetimeFigureOut">
               <a:rPr lang="en-US" smtClean="0"/>
-              <a:t>2/15/17</a:t>
+              <a:t>2/16/17</a:t>
             </a:fld>
             <a:endParaRPr lang="en-US"/>
           </a:p>
@@ -3201,7 +3202,7 @@
           <a:p>
             <a:fld id="{2453FA09-B727-9542-AAC9-2BF2211F4014}" type="datetimeFigureOut">
               <a:rPr lang="en-US" smtClean="0"/>
-              <a:t>2/15/17</a:t>
+              <a:t>2/16/17</a:t>
             </a:fld>
             <a:endParaRPr lang="en-US"/>
           </a:p>
@@ -3380,7 +3381,7 @@
           <a:p>
             <a:fld id="{2453FA09-B727-9542-AAC9-2BF2211F4014}" type="datetimeFigureOut">
               <a:rPr lang="en-US" smtClean="0"/>
-              <a:t>2/15/17</a:t>
+              <a:t>2/16/17</a:t>
             </a:fld>
             <a:endParaRPr lang="en-US"/>
           </a:p>
@@ -3551,7 +3552,7 @@
           <a:p>
             <a:fld id="{2453FA09-B727-9542-AAC9-2BF2211F4014}" type="datetimeFigureOut">
               <a:rPr lang="en-US" smtClean="0"/>
-              <a:t>2/15/17</a:t>
+              <a:t>2/16/17</a:t>
             </a:fld>
             <a:endParaRPr lang="en-US"/>
           </a:p>
@@ -3641,7 +3642,7 @@
           <a:p>
             <a:fld id="{2453FA09-B727-9542-AAC9-2BF2211F4014}" type="datetimeFigureOut">
               <a:rPr lang="en-US" smtClean="0"/>
-              <a:t>2/15/17</a:t>
+              <a:t>2/16/17</a:t>
             </a:fld>
             <a:endParaRPr lang="en-US"/>
           </a:p>
@@ -4663,7 +4664,7 @@
           <a:p>
             <a:fld id="{2453FA09-B727-9542-AAC9-2BF2211F4014}" type="datetimeFigureOut">
               <a:rPr lang="en-US" smtClean="0"/>
-              <a:t>2/15/17</a:t>
+              <a:t>2/16/17</a:t>
             </a:fld>
             <a:endParaRPr lang="en-US"/>
           </a:p>
@@ -5238,7 +5239,7 @@
           <a:p>
             <a:fld id="{2453FA09-B727-9542-AAC9-2BF2211F4014}" type="datetimeFigureOut">
               <a:rPr lang="en-US" smtClean="0"/>
-              <a:t>2/15/17</a:t>
+              <a:t>2/16/17</a:t>
             </a:fld>
             <a:endParaRPr lang="en-US"/>
           </a:p>
@@ -5746,7 +5747,7 @@
           <a:p>
             <a:fld id="{2453FA09-B727-9542-AAC9-2BF2211F4014}" type="datetimeFigureOut">
               <a:rPr lang="en-US" smtClean="0"/>
-              <a:t>2/15/17</a:t>
+              <a:t>2/16/17</a:t>
             </a:fld>
             <a:endParaRPr lang="en-US"/>
           </a:p>
@@ -6166,7 +6167,7 @@
           <a:p>
             <a:fld id="{2453FA09-B727-9542-AAC9-2BF2211F4014}" type="datetimeFigureOut">
               <a:rPr lang="en-US" smtClean="0"/>
-              <a:t>2/15/17</a:t>
+              <a:t>2/16/17</a:t>
             </a:fld>
             <a:endParaRPr lang="en-US"/>
           </a:p>
@@ -6530,7 +6531,7 @@
           <a:p>
             <a:fld id="{2453FA09-B727-9542-AAC9-2BF2211F4014}" type="datetimeFigureOut">
               <a:rPr lang="en-US" smtClean="0"/>
-              <a:t>2/15/17</a:t>
+              <a:t>2/16/17</a:t>
             </a:fld>
             <a:endParaRPr lang="en-US"/>
           </a:p>
@@ -7076,7 +7077,7 @@
           <a:p>
             <a:fld id="{2453FA09-B727-9542-AAC9-2BF2211F4014}" type="datetimeFigureOut">
               <a:rPr lang="en-US" smtClean="0"/>
-              <a:t>2/15/17</a:t>
+              <a:t>2/16/17</a:t>
             </a:fld>
             <a:endParaRPr lang="en-US"/>
           </a:p>
@@ -7190,7 +7191,7 @@
           <a:p>
             <a:fld id="{2453FA09-B727-9542-AAC9-2BF2211F4014}" type="datetimeFigureOut">
               <a:rPr lang="en-US" smtClean="0"/>
-              <a:t>2/15/17</a:t>
+              <a:t>2/16/17</a:t>
             </a:fld>
             <a:endParaRPr lang="en-US"/>
           </a:p>
@@ -9528,6 +9529,121 @@
 </p:sld>
 </file>
 
+<file path=ppt/slides/slide21.xml><?xml version="1.0" encoding="utf-8"?>
+<p:sld xmlns:a="http://schemas.openxmlformats.org/drawingml/2006/main" xmlns:r="http://schemas.openxmlformats.org/officeDocument/2006/relationships" xmlns:p="http://schemas.openxmlformats.org/presentationml/2006/main">
+  <p:cSld>
+    <p:spTree>
+      <p:nvGrpSpPr>
+        <p:cNvPr id="1" name=""/>
+        <p:cNvGrpSpPr/>
+        <p:nvPr/>
+      </p:nvGrpSpPr>
+      <p:grpSpPr>
+        <a:xfrm>
+          <a:off x="0" y="0"/>
+          <a:ext cx="0" cy="0"/>
+          <a:chOff x="0" y="0"/>
+          <a:chExt cx="0" cy="0"/>
+        </a:xfrm>
+      </p:grpSpPr>
+      <p:sp>
+        <p:nvSpPr>
+          <p:cNvPr id="2" name="Title 1"/>
+          <p:cNvSpPr>
+            <a:spLocks noGrp="1"/>
+          </p:cNvSpPr>
+          <p:nvPr>
+            <p:ph type="title"/>
+          </p:nvPr>
+        </p:nvSpPr>
+        <p:spPr/>
+        <p:txBody>
+          <a:bodyPr/>
+          <a:lstStyle/>
+          <a:p>
+            <a:r>
+              <a:rPr lang="en-US" dirty="0" smtClean="0"/>
+              <a:t>Reference Article</a:t>
+            </a:r>
+            <a:endParaRPr lang="en-US" dirty="0"/>
+          </a:p>
+        </p:txBody>
+      </p:sp>
+      <p:sp>
+        <p:nvSpPr>
+          <p:cNvPr id="3" name="Rectangle 2"/>
+          <p:cNvSpPr/>
+          <p:nvPr/>
+        </p:nvSpPr>
+        <p:spPr>
+          <a:xfrm>
+            <a:off x="1016000" y="2076825"/>
+            <a:ext cx="7410824" cy="923330"/>
+          </a:xfrm>
+          <a:prstGeom prst="rect">
+            <a:avLst/>
+          </a:prstGeom>
+        </p:spPr>
+        <p:txBody>
+          <a:bodyPr wrap="square">
+            <a:spAutoFit/>
+          </a:bodyPr>
+          <a:lstStyle/>
+          <a:p>
+            <a:r>
+              <a:rPr lang="en-US" b="1" dirty="0" err="1"/>
+              <a:t>ieeexplore.ieee.org</a:t>
+            </a:r>
+            <a:r>
+              <a:rPr lang="en-US" b="1" dirty="0"/>
+              <a:t>/iel5/5888675/5928760/05928901.pdf</a:t>
+            </a:r>
+          </a:p>
+          <a:p>
+            <a:r>
+              <a:rPr lang="en-US" b="1" dirty="0"/>
+              <a:t>Smart Parking Reservation System By </a:t>
+            </a:r>
+            <a:r>
+              <a:rPr lang="en-US" b="1" dirty="0" err="1"/>
+              <a:t>Mohit</a:t>
+            </a:r>
+            <a:r>
+              <a:rPr lang="en-US" b="1" dirty="0"/>
+              <a:t> </a:t>
+            </a:r>
+            <a:r>
+              <a:rPr lang="en-US" b="1" dirty="0" err="1"/>
+              <a:t>Patil</a:t>
+            </a:r>
+            <a:r>
+              <a:rPr lang="en-US" b="1" dirty="0"/>
+              <a:t> and Rahul </a:t>
+            </a:r>
+            <a:r>
+              <a:rPr lang="en-US" b="1" dirty="0" err="1"/>
+              <a:t>Sakore</a:t>
+            </a:r>
+            <a:r>
+              <a:rPr lang="en-US" b="1" dirty="0"/>
+              <a:t> </a:t>
+            </a:r>
+          </a:p>
+        </p:txBody>
+      </p:sp>
+    </p:spTree>
+    <p:extLst>
+      <p:ext uri="{BB962C8B-B14F-4D97-AF65-F5344CB8AC3E}">
+        <p14:creationId xmlns:p14="http://schemas.microsoft.com/office/powerpoint/2010/main" val="4273579929"/>
+      </p:ext>
+    </p:extLst>
+  </p:cSld>
+  <p:clrMapOvr>
+    <a:masterClrMapping/>
+  </p:clrMapOvr>
+</p:sld>
+</file>
+
 <file path=ppt/slides/slide3.xml><?xml version="1.0" encoding="utf-8"?>
 <p:sld xmlns:a="http://schemas.openxmlformats.org/drawingml/2006/main" xmlns:r="http://schemas.openxmlformats.org/officeDocument/2006/relationships" xmlns:p="http://schemas.openxmlformats.org/presentationml/2006/main">
   <p:cSld>
